--- a/Slides/NHibernate/3 - Relationships.pptx
+++ b/Slides/NHibernate/3 - Relationships.pptx
@@ -17,8 +17,6 @@
     <p:sldId id="304" r:id="rId11"/>
     <p:sldId id="305" r:id="rId12"/>
     <p:sldId id="267" r:id="rId13"/>
-    <p:sldId id="298" r:id="rId14"/>
-    <p:sldId id="299" r:id="rId15"/>
   </p:sldIdLst>
   <p:sldSz cx="9144000" cy="6858000" type="screen4x3"/>
   <p:notesSz cx="6858000" cy="9144000"/>
@@ -256,7 +254,7 @@
           <a:p>
             <a:fld id="{A254CC92-A4AB-4748-8201-8CC8FC025F54}" type="datetimeFigureOut">
               <a:rPr lang="en-US" smtClean="0"/>
-              <a:t>1/31/2015</a:t>
+              <a:t>2/3/2015</a:t>
             </a:fld>
             <a:endParaRPr lang="en-US"/>
           </a:p>
@@ -426,7 +424,7 @@
           <a:p>
             <a:fld id="{A254CC92-A4AB-4748-8201-8CC8FC025F54}" type="datetimeFigureOut">
               <a:rPr lang="en-US" smtClean="0"/>
-              <a:t>1/31/2015</a:t>
+              <a:t>2/3/2015</a:t>
             </a:fld>
             <a:endParaRPr lang="en-US"/>
           </a:p>
@@ -606,7 +604,7 @@
           <a:p>
             <a:fld id="{A254CC92-A4AB-4748-8201-8CC8FC025F54}" type="datetimeFigureOut">
               <a:rPr lang="en-US" smtClean="0"/>
-              <a:t>1/31/2015</a:t>
+              <a:t>2/3/2015</a:t>
             </a:fld>
             <a:endParaRPr lang="en-US"/>
           </a:p>
@@ -776,7 +774,7 @@
           <a:p>
             <a:fld id="{A254CC92-A4AB-4748-8201-8CC8FC025F54}" type="datetimeFigureOut">
               <a:rPr lang="en-US" smtClean="0"/>
-              <a:t>1/31/2015</a:t>
+              <a:t>2/3/2015</a:t>
             </a:fld>
             <a:endParaRPr lang="en-US"/>
           </a:p>
@@ -1020,7 +1018,7 @@
           <a:p>
             <a:fld id="{A254CC92-A4AB-4748-8201-8CC8FC025F54}" type="datetimeFigureOut">
               <a:rPr lang="en-US" smtClean="0"/>
-              <a:t>1/31/2015</a:t>
+              <a:t>2/3/2015</a:t>
             </a:fld>
             <a:endParaRPr lang="en-US"/>
           </a:p>
@@ -1252,7 +1250,7 @@
           <a:p>
             <a:fld id="{A254CC92-A4AB-4748-8201-8CC8FC025F54}" type="datetimeFigureOut">
               <a:rPr lang="en-US" smtClean="0"/>
-              <a:t>1/31/2015</a:t>
+              <a:t>2/3/2015</a:t>
             </a:fld>
             <a:endParaRPr lang="en-US"/>
           </a:p>
@@ -1619,7 +1617,7 @@
           <a:p>
             <a:fld id="{A254CC92-A4AB-4748-8201-8CC8FC025F54}" type="datetimeFigureOut">
               <a:rPr lang="en-US" smtClean="0"/>
-              <a:t>1/31/2015</a:t>
+              <a:t>2/3/2015</a:t>
             </a:fld>
             <a:endParaRPr lang="en-US"/>
           </a:p>
@@ -1737,7 +1735,7 @@
           <a:p>
             <a:fld id="{A254CC92-A4AB-4748-8201-8CC8FC025F54}" type="datetimeFigureOut">
               <a:rPr lang="en-US" smtClean="0"/>
-              <a:t>1/31/2015</a:t>
+              <a:t>2/3/2015</a:t>
             </a:fld>
             <a:endParaRPr lang="en-US"/>
           </a:p>
@@ -1832,7 +1830,7 @@
           <a:p>
             <a:fld id="{A254CC92-A4AB-4748-8201-8CC8FC025F54}" type="datetimeFigureOut">
               <a:rPr lang="en-US" smtClean="0"/>
-              <a:t>1/31/2015</a:t>
+              <a:t>2/3/2015</a:t>
             </a:fld>
             <a:endParaRPr lang="en-US"/>
           </a:p>
@@ -2109,7 +2107,7 @@
           <a:p>
             <a:fld id="{A254CC92-A4AB-4748-8201-8CC8FC025F54}" type="datetimeFigureOut">
               <a:rPr lang="en-US" smtClean="0"/>
-              <a:t>1/31/2015</a:t>
+              <a:t>2/3/2015</a:t>
             </a:fld>
             <a:endParaRPr lang="en-US"/>
           </a:p>
@@ -2366,7 +2364,7 @@
           <a:p>
             <a:fld id="{A254CC92-A4AB-4748-8201-8CC8FC025F54}" type="datetimeFigureOut">
               <a:rPr lang="en-US" smtClean="0"/>
-              <a:t>1/31/2015</a:t>
+              <a:t>2/3/2015</a:t>
             </a:fld>
             <a:endParaRPr lang="en-US"/>
           </a:p>
@@ -2579,7 +2577,7 @@
           <a:p>
             <a:fld id="{A254CC92-A4AB-4748-8201-8CC8FC025F54}" type="datetimeFigureOut">
               <a:rPr lang="en-US" smtClean="0"/>
-              <a:t>1/31/2015</a:t>
+              <a:t>2/3/2015</a:t>
             </a:fld>
             <a:endParaRPr lang="en-US"/>
           </a:p>
@@ -3028,11 +3026,7 @@
             </a:r>
             <a:r>
               <a:rPr lang="en-US" dirty="0" smtClean="0"/>
-              <a:t> </a:t>
-            </a:r>
-            <a:r>
-              <a:rPr lang="en-US" dirty="0" smtClean="0"/>
-              <a:t>- Relationships</a:t>
+              <a:t> - Relationships</a:t>
             </a:r>
             <a:endParaRPr lang="en-US" dirty="0"/>
           </a:p>
@@ -3362,2183 +3356,6 @@
 </p:sld>
 </file>
 
-<file path=ppt/slides/slide13.xml><?xml version="1.0" encoding="utf-8"?>
-<p:sld xmlns:a="http://schemas.openxmlformats.org/drawingml/2006/main" xmlns:r="http://schemas.openxmlformats.org/officeDocument/2006/relationships" xmlns:p="http://schemas.openxmlformats.org/presentationml/2006/main">
-  <p:cSld>
-    <p:spTree>
-      <p:nvGrpSpPr>
-        <p:cNvPr id="1" name=""/>
-        <p:cNvGrpSpPr/>
-        <p:nvPr/>
-      </p:nvGrpSpPr>
-      <p:grpSpPr>
-        <a:xfrm>
-          <a:off x="0" y="0"/>
-          <a:ext cx="0" cy="0"/>
-          <a:chOff x="0" y="0"/>
-          <a:chExt cx="0" cy="0"/>
-        </a:xfrm>
-      </p:grpSpPr>
-      <p:sp>
-        <p:nvSpPr>
-          <p:cNvPr id="2" name="Title 1"/>
-          <p:cNvSpPr>
-            <a:spLocks noGrp="1"/>
-          </p:cNvSpPr>
-          <p:nvPr>
-            <p:ph type="title"/>
-          </p:nvPr>
-        </p:nvSpPr>
-        <p:spPr/>
-        <p:txBody>
-          <a:bodyPr/>
-          <a:lstStyle/>
-          <a:p>
-            <a:r>
-              <a:rPr lang="en-US" dirty="0" smtClean="0"/>
-              <a:t>M:M</a:t>
-            </a:r>
-            <a:endParaRPr lang="en-US" dirty="0"/>
-          </a:p>
-        </p:txBody>
-      </p:sp>
-      <p:pic>
-        <p:nvPicPr>
-          <p:cNvPr id="7" name="Picture 6"/>
-          <p:cNvPicPr>
-            <a:picLocks noChangeAspect="1"/>
-          </p:cNvPicPr>
-          <p:nvPr/>
-        </p:nvPicPr>
-        <p:blipFill>
-          <a:blip r:embed="rId2"/>
-          <a:stretch>
-            <a:fillRect/>
-          </a:stretch>
-        </p:blipFill>
-        <p:spPr>
-          <a:xfrm>
-            <a:off x="2309812" y="1543050"/>
-            <a:ext cx="6353175" cy="5086350"/>
-          </a:xfrm>
-          <a:prstGeom prst="rect">
-            <a:avLst/>
-          </a:prstGeom>
-        </p:spPr>
-      </p:pic>
-    </p:spTree>
-    <p:extLst>
-      <p:ext uri="{BB962C8B-B14F-4D97-AF65-F5344CB8AC3E}">
-        <p14:creationId xmlns:p14="http://schemas.microsoft.com/office/powerpoint/2010/main" val="1313928033"/>
-      </p:ext>
-    </p:extLst>
-  </p:cSld>
-  <p:clrMapOvr>
-    <a:masterClrMapping/>
-  </p:clrMapOvr>
-</p:sld>
-</file>
-
-<file path=ppt/slides/slide14.xml><?xml version="1.0" encoding="utf-8"?>
-<p:sld xmlns:a="http://schemas.openxmlformats.org/drawingml/2006/main" xmlns:r="http://schemas.openxmlformats.org/officeDocument/2006/relationships" xmlns:p="http://schemas.openxmlformats.org/presentationml/2006/main">
-  <p:cSld>
-    <p:spTree>
-      <p:nvGrpSpPr>
-        <p:cNvPr id="1" name=""/>
-        <p:cNvGrpSpPr/>
-        <p:nvPr/>
-      </p:nvGrpSpPr>
-      <p:grpSpPr>
-        <a:xfrm>
-          <a:off x="0" y="0"/>
-          <a:ext cx="0" cy="0"/>
-          <a:chOff x="0" y="0"/>
-          <a:chExt cx="0" cy="0"/>
-        </a:xfrm>
-      </p:grpSpPr>
-      <p:sp>
-        <p:nvSpPr>
-          <p:cNvPr id="2" name="Title 1"/>
-          <p:cNvSpPr>
-            <a:spLocks noGrp="1"/>
-          </p:cNvSpPr>
-          <p:nvPr>
-            <p:ph type="title"/>
-          </p:nvPr>
-        </p:nvSpPr>
-        <p:spPr/>
-        <p:txBody>
-          <a:bodyPr/>
-          <a:lstStyle/>
-          <a:p>
-            <a:r>
-              <a:rPr lang="en-US" dirty="0" smtClean="0"/>
-              <a:t>One-to-one associations</a:t>
-            </a:r>
-            <a:endParaRPr lang="en-US" dirty="0"/>
-          </a:p>
-        </p:txBody>
-      </p:sp>
-      <p:sp>
-        <p:nvSpPr>
-          <p:cNvPr id="3" name="Content Placeholder 2"/>
-          <p:cNvSpPr>
-            <a:spLocks noGrp="1"/>
-          </p:cNvSpPr>
-          <p:nvPr>
-            <p:ph idx="1"/>
-          </p:nvPr>
-        </p:nvSpPr>
-        <p:spPr/>
-        <p:txBody>
-          <a:bodyPr>
-            <a:normAutofit lnSpcReduction="10000"/>
-          </a:bodyPr>
-          <a:lstStyle/>
-          <a:p>
-            <a:pPr marL="12700" marR="34289">
-              <a:lnSpc>
-                <a:spcPts val="2155"/>
-              </a:lnSpc>
-              <a:spcBef>
-                <a:spcPts val="107"/>
-              </a:spcBef>
-            </a:pPr>
-            <a:r>
-              <a:rPr lang="en-US" dirty="0">
-                <a:latin typeface="Wingdings"/>
-                <a:cs typeface="Wingdings"/>
-              </a:rPr>
-              <a:t></a:t>
-            </a:r>
-            <a:r>
-              <a:rPr lang="en-US" dirty="0">
-                <a:latin typeface="Times New Roman"/>
-                <a:cs typeface="Times New Roman"/>
-              </a:rPr>
-              <a:t>  </a:t>
-            </a:r>
-            <a:r>
-              <a:rPr lang="en-US" spc="280" dirty="0">
-                <a:latin typeface="Times New Roman"/>
-                <a:cs typeface="Times New Roman"/>
-              </a:rPr>
-              <a:t> </a:t>
-            </a:r>
-            <a:r>
-              <a:rPr lang="en-US" dirty="0" err="1">
-                <a:latin typeface="Times New Roman"/>
-                <a:cs typeface="Times New Roman"/>
-              </a:rPr>
-              <a:t>Cu</a:t>
-            </a:r>
-            <a:r>
-              <a:rPr lang="en-US" spc="4" dirty="0" err="1">
-                <a:latin typeface="Times New Roman"/>
-                <a:cs typeface="Times New Roman"/>
-              </a:rPr>
-              <a:t>st</a:t>
-            </a:r>
-            <a:r>
-              <a:rPr lang="en-US" dirty="0" err="1">
-                <a:latin typeface="Times New Roman"/>
-                <a:cs typeface="Times New Roman"/>
-              </a:rPr>
-              <a:t>o</a:t>
-            </a:r>
-            <a:r>
-              <a:rPr lang="en-US" spc="4" dirty="0" err="1">
-                <a:latin typeface="Times New Roman"/>
-                <a:cs typeface="Times New Roman"/>
-              </a:rPr>
-              <a:t>m</a:t>
-            </a:r>
-            <a:r>
-              <a:rPr lang="en-US" dirty="0" err="1">
-                <a:latin typeface="Times New Roman"/>
-                <a:cs typeface="Times New Roman"/>
-              </a:rPr>
-              <a:t>e</a:t>
-            </a:r>
-            <a:r>
-              <a:rPr lang="en-US" spc="-4" dirty="0" err="1">
-                <a:latin typeface="Times New Roman"/>
-                <a:cs typeface="Times New Roman"/>
-              </a:rPr>
-              <a:t>r.P</a:t>
-            </a:r>
-            <a:r>
-              <a:rPr lang="en-US" dirty="0" err="1">
-                <a:latin typeface="Times New Roman"/>
-                <a:cs typeface="Times New Roman"/>
-              </a:rPr>
-              <a:t>e</a:t>
-            </a:r>
-            <a:r>
-              <a:rPr lang="en-US" spc="-4" dirty="0" err="1">
-                <a:latin typeface="Times New Roman"/>
-                <a:cs typeface="Times New Roman"/>
-              </a:rPr>
-              <a:t>r</a:t>
-            </a:r>
-            <a:r>
-              <a:rPr lang="en-US" spc="4" dirty="0" err="1">
-                <a:latin typeface="Times New Roman"/>
-                <a:cs typeface="Times New Roman"/>
-              </a:rPr>
-              <a:t>s</a:t>
-            </a:r>
-            <a:r>
-              <a:rPr lang="en-US" dirty="0" err="1">
-                <a:latin typeface="Times New Roman"/>
-                <a:cs typeface="Times New Roman"/>
-              </a:rPr>
-              <a:t>on</a:t>
-            </a:r>
-            <a:endParaRPr lang="en-US" dirty="0">
-              <a:latin typeface="Times New Roman"/>
-              <a:cs typeface="Times New Roman"/>
-            </a:endParaRPr>
-          </a:p>
-          <a:p>
-            <a:pPr marL="469900" marR="34289">
-              <a:lnSpc>
-                <a:spcPct val="95825"/>
-              </a:lnSpc>
-              <a:spcBef>
-                <a:spcPts val="419"/>
-              </a:spcBef>
-            </a:pPr>
-            <a:r>
-              <a:rPr lang="en-US" sz="1050" dirty="0">
-                <a:latin typeface="Wingdings"/>
-                <a:cs typeface="Wingdings"/>
-              </a:rPr>
-              <a:t></a:t>
-            </a:r>
-            <a:r>
-              <a:rPr lang="en-US" sz="1050" dirty="0">
-                <a:latin typeface="Times New Roman"/>
-                <a:cs typeface="Times New Roman"/>
-              </a:rPr>
-              <a:t>     </a:t>
-            </a:r>
-            <a:r>
-              <a:rPr lang="en-US" sz="1050" spc="104" dirty="0">
-                <a:latin typeface="Times New Roman"/>
-                <a:cs typeface="Times New Roman"/>
-              </a:rPr>
-              <a:t> </a:t>
-            </a:r>
-            <a:r>
-              <a:rPr lang="en-US" sz="2400" spc="-5" dirty="0">
-                <a:latin typeface="Times New Roman"/>
-                <a:cs typeface="Times New Roman"/>
-              </a:rPr>
-              <a:t>&lt;on</a:t>
-            </a:r>
-            <a:r>
-              <a:rPr lang="en-US" sz="2400" dirty="0">
-                <a:latin typeface="Times New Roman"/>
-                <a:cs typeface="Times New Roman"/>
-              </a:rPr>
-              <a:t>e-</a:t>
-            </a:r>
-            <a:r>
-              <a:rPr lang="en-US" sz="2400" spc="5" dirty="0">
-                <a:latin typeface="Times New Roman"/>
-                <a:cs typeface="Times New Roman"/>
-              </a:rPr>
-              <a:t>t</a:t>
-            </a:r>
-            <a:r>
-              <a:rPr lang="en-US" sz="2400" spc="-5" dirty="0">
-                <a:latin typeface="Times New Roman"/>
-                <a:cs typeface="Times New Roman"/>
-              </a:rPr>
-              <a:t>o</a:t>
-            </a:r>
-            <a:r>
-              <a:rPr lang="en-US" sz="2400" dirty="0">
-                <a:latin typeface="Times New Roman"/>
-                <a:cs typeface="Times New Roman"/>
-              </a:rPr>
-              <a:t>-</a:t>
-            </a:r>
-            <a:r>
-              <a:rPr lang="en-US" sz="2400" spc="-5" dirty="0">
-                <a:latin typeface="Times New Roman"/>
-                <a:cs typeface="Times New Roman"/>
-              </a:rPr>
-              <a:t>on</a:t>
-            </a:r>
-            <a:r>
-              <a:rPr lang="en-US" sz="2400" dirty="0">
-                <a:latin typeface="Times New Roman"/>
-                <a:cs typeface="Times New Roman"/>
-              </a:rPr>
-              <a:t>e</a:t>
-            </a:r>
-            <a:r>
-              <a:rPr lang="en-US" sz="2400" spc="-75" dirty="0">
-                <a:latin typeface="Times New Roman"/>
-                <a:cs typeface="Times New Roman"/>
-              </a:rPr>
-              <a:t> </a:t>
-            </a:r>
-            <a:r>
-              <a:rPr lang="en-US" sz="2400" spc="-4" dirty="0">
-                <a:latin typeface="Times New Roman"/>
-                <a:cs typeface="Times New Roman"/>
-              </a:rPr>
-              <a:t>na</a:t>
-            </a:r>
-            <a:r>
-              <a:rPr lang="en-US" sz="2400" dirty="0">
-                <a:latin typeface="Times New Roman"/>
-                <a:cs typeface="Times New Roman"/>
-              </a:rPr>
-              <a:t>me</a:t>
-            </a:r>
-            <a:r>
-              <a:rPr lang="en-US" sz="2400" spc="-4" dirty="0">
-                <a:latin typeface="Times New Roman"/>
-                <a:cs typeface="Times New Roman"/>
-              </a:rPr>
-              <a:t>=</a:t>
-            </a:r>
-            <a:r>
-              <a:rPr lang="en-US" sz="2400" dirty="0">
-                <a:latin typeface="Times New Roman"/>
-                <a:cs typeface="Times New Roman"/>
-              </a:rPr>
-              <a:t>“Per</a:t>
-            </a:r>
-            <a:r>
-              <a:rPr lang="en-US" sz="2400" spc="-4" dirty="0">
-                <a:latin typeface="Times New Roman"/>
-                <a:cs typeface="Times New Roman"/>
-              </a:rPr>
-              <a:t>son</a:t>
-            </a:r>
-            <a:r>
-              <a:rPr lang="en-US" sz="2400" dirty="0">
-                <a:latin typeface="Times New Roman"/>
-                <a:cs typeface="Times New Roman"/>
-              </a:rPr>
-              <a:t>”</a:t>
-            </a:r>
-            <a:r>
-              <a:rPr lang="en-US" sz="2400" spc="-4" dirty="0">
-                <a:latin typeface="Times New Roman"/>
-                <a:cs typeface="Times New Roman"/>
-              </a:rPr>
-              <a:t>/</a:t>
-            </a:r>
-            <a:r>
-              <a:rPr lang="en-US" sz="2400" dirty="0">
-                <a:latin typeface="Times New Roman"/>
-                <a:cs typeface="Times New Roman"/>
-              </a:rPr>
-              <a:t>&gt;</a:t>
-            </a:r>
-          </a:p>
-          <a:p>
-            <a:pPr marL="469900" marR="34289">
-              <a:lnSpc>
-                <a:spcPct val="95825"/>
-              </a:lnSpc>
-              <a:spcBef>
-                <a:spcPts val="522"/>
-              </a:spcBef>
-            </a:pPr>
-            <a:r>
-              <a:rPr lang="en-US" sz="1050" dirty="0">
-                <a:latin typeface="Wingdings"/>
-                <a:cs typeface="Wingdings"/>
-              </a:rPr>
-              <a:t></a:t>
-            </a:r>
-            <a:r>
-              <a:rPr lang="en-US" sz="1050" dirty="0">
-                <a:latin typeface="Times New Roman"/>
-                <a:cs typeface="Times New Roman"/>
-              </a:rPr>
-              <a:t>     </a:t>
-            </a:r>
-            <a:r>
-              <a:rPr lang="en-US" sz="1050" spc="104" dirty="0">
-                <a:latin typeface="Times New Roman"/>
-                <a:cs typeface="Times New Roman"/>
-              </a:rPr>
-              <a:t> </a:t>
-            </a:r>
-            <a:r>
-              <a:rPr lang="en-US" sz="2400" spc="4" dirty="0">
-                <a:latin typeface="Times New Roman"/>
-                <a:cs typeface="Times New Roman"/>
-              </a:rPr>
-              <a:t>T</a:t>
-            </a:r>
-            <a:r>
-              <a:rPr lang="en-US" sz="2400" spc="-4" dirty="0">
-                <a:latin typeface="Times New Roman"/>
-                <a:cs typeface="Times New Roman"/>
-              </a:rPr>
-              <a:t>w</a:t>
-            </a:r>
-            <a:r>
-              <a:rPr lang="en-US" sz="2400" dirty="0">
-                <a:latin typeface="Times New Roman"/>
-                <a:cs typeface="Times New Roman"/>
-              </a:rPr>
-              <a:t>o</a:t>
-            </a:r>
-            <a:r>
-              <a:rPr lang="en-US" sz="2400" spc="-24" dirty="0">
-                <a:latin typeface="Times New Roman"/>
-                <a:cs typeface="Times New Roman"/>
-              </a:rPr>
-              <a:t> </a:t>
-            </a:r>
-            <a:r>
-              <a:rPr lang="en-US" sz="2400" spc="4" dirty="0">
-                <a:latin typeface="Times New Roman"/>
-                <a:cs typeface="Times New Roman"/>
-              </a:rPr>
-              <a:t>t</a:t>
-            </a:r>
-            <a:r>
-              <a:rPr lang="en-US" sz="2400" spc="-4" dirty="0">
-                <a:latin typeface="Times New Roman"/>
-                <a:cs typeface="Times New Roman"/>
-              </a:rPr>
-              <a:t>abl</a:t>
-            </a:r>
-            <a:r>
-              <a:rPr lang="en-US" sz="2400" dirty="0">
-                <a:latin typeface="Times New Roman"/>
-                <a:cs typeface="Times New Roman"/>
-              </a:rPr>
-              <a:t>e</a:t>
-            </a:r>
-            <a:r>
-              <a:rPr lang="en-US" sz="2400" spc="-4" dirty="0">
-                <a:latin typeface="Times New Roman"/>
-                <a:cs typeface="Times New Roman"/>
-              </a:rPr>
-              <a:t>s</a:t>
-            </a:r>
-            <a:r>
-              <a:rPr lang="en-US" sz="2400" dirty="0">
-                <a:latin typeface="Times New Roman"/>
-                <a:cs typeface="Times New Roman"/>
-              </a:rPr>
-              <a:t>,</a:t>
-            </a:r>
-            <a:r>
-              <a:rPr lang="en-US" sz="2400" spc="-39" dirty="0">
-                <a:latin typeface="Times New Roman"/>
-                <a:cs typeface="Times New Roman"/>
-              </a:rPr>
-              <a:t> </a:t>
-            </a:r>
-            <a:r>
-              <a:rPr lang="en-US" sz="2400" dirty="0">
-                <a:latin typeface="Times New Roman"/>
-                <a:cs typeface="Times New Roman"/>
-              </a:rPr>
-              <a:t>C</a:t>
-            </a:r>
-            <a:r>
-              <a:rPr lang="en-US" sz="2400" spc="4" dirty="0">
-                <a:latin typeface="Times New Roman"/>
-                <a:cs typeface="Times New Roman"/>
-              </a:rPr>
-              <a:t>u</a:t>
-            </a:r>
-            <a:r>
-              <a:rPr lang="en-US" sz="2400" spc="-4" dirty="0">
-                <a:latin typeface="Times New Roman"/>
-                <a:cs typeface="Times New Roman"/>
-              </a:rPr>
-              <a:t>s</a:t>
-            </a:r>
-            <a:r>
-              <a:rPr lang="en-US" sz="2400" spc="4" dirty="0">
-                <a:latin typeface="Times New Roman"/>
-                <a:cs typeface="Times New Roman"/>
-              </a:rPr>
-              <a:t>t</a:t>
-            </a:r>
-            <a:r>
-              <a:rPr lang="en-US" sz="2400" spc="-4" dirty="0">
-                <a:latin typeface="Times New Roman"/>
-                <a:cs typeface="Times New Roman"/>
-              </a:rPr>
-              <a:t>o</a:t>
-            </a:r>
-            <a:r>
-              <a:rPr lang="en-US" sz="2400" dirty="0">
-                <a:latin typeface="Times New Roman"/>
-                <a:cs typeface="Times New Roman"/>
-              </a:rPr>
-              <a:t>mer</a:t>
-            </a:r>
-            <a:r>
-              <a:rPr lang="en-US" sz="2400" spc="246" dirty="0">
-                <a:latin typeface="Times New Roman"/>
-                <a:cs typeface="Times New Roman"/>
-              </a:rPr>
-              <a:t> </a:t>
-            </a:r>
-            <a:r>
-              <a:rPr lang="en-US" sz="2400" spc="-4" dirty="0">
-                <a:latin typeface="Times New Roman"/>
-                <a:cs typeface="Times New Roman"/>
-              </a:rPr>
-              <a:t>an</a:t>
-            </a:r>
-            <a:r>
-              <a:rPr lang="en-US" sz="2400" dirty="0">
-                <a:latin typeface="Times New Roman"/>
-                <a:cs typeface="Times New Roman"/>
-              </a:rPr>
-              <a:t>d</a:t>
-            </a:r>
-            <a:r>
-              <a:rPr lang="en-US" sz="2400" spc="199" dirty="0">
-                <a:latin typeface="Times New Roman"/>
-                <a:cs typeface="Times New Roman"/>
-              </a:rPr>
-              <a:t> </a:t>
-            </a:r>
-            <a:r>
-              <a:rPr lang="en-US" sz="2400" dirty="0">
-                <a:latin typeface="Times New Roman"/>
-                <a:cs typeface="Times New Roman"/>
-              </a:rPr>
-              <a:t>Per</a:t>
-            </a:r>
-            <a:r>
-              <a:rPr lang="en-US" sz="2400" spc="-4" dirty="0">
-                <a:latin typeface="Times New Roman"/>
-                <a:cs typeface="Times New Roman"/>
-              </a:rPr>
-              <a:t>son</a:t>
-            </a:r>
-            <a:r>
-              <a:rPr lang="en-US" sz="2400" dirty="0">
-                <a:latin typeface="Times New Roman"/>
-                <a:cs typeface="Times New Roman"/>
-              </a:rPr>
-              <a:t>,</a:t>
-            </a:r>
-            <a:r>
-              <a:rPr lang="en-US" sz="2400" spc="98" dirty="0">
-                <a:latin typeface="Times New Roman"/>
-                <a:cs typeface="Times New Roman"/>
-              </a:rPr>
-              <a:t> </a:t>
-            </a:r>
-            <a:r>
-              <a:rPr lang="en-US" sz="2400" spc="-4" dirty="0">
-                <a:latin typeface="Times New Roman"/>
-                <a:cs typeface="Times New Roman"/>
-              </a:rPr>
-              <a:t>sha</a:t>
-            </a:r>
-            <a:r>
-              <a:rPr lang="en-US" sz="2400" dirty="0">
-                <a:latin typeface="Times New Roman"/>
-                <a:cs typeface="Times New Roman"/>
-              </a:rPr>
-              <a:t>re</a:t>
-            </a:r>
-            <a:r>
-              <a:rPr lang="en-US" sz="2400" spc="193" dirty="0">
-                <a:latin typeface="Times New Roman"/>
-                <a:cs typeface="Times New Roman"/>
-              </a:rPr>
-              <a:t> </a:t>
-            </a:r>
-            <a:r>
-              <a:rPr lang="en-US" sz="2400" spc="-4" dirty="0">
-                <a:latin typeface="Times New Roman"/>
-                <a:cs typeface="Times New Roman"/>
-              </a:rPr>
-              <a:t>sa</a:t>
-            </a:r>
-            <a:r>
-              <a:rPr lang="en-US" sz="2400" dirty="0">
-                <a:latin typeface="Times New Roman"/>
-                <a:cs typeface="Times New Roman"/>
-              </a:rPr>
-              <a:t>me</a:t>
-            </a:r>
-            <a:r>
-              <a:rPr lang="en-US" sz="2400" spc="194" dirty="0">
-                <a:latin typeface="Times New Roman"/>
-                <a:cs typeface="Times New Roman"/>
-              </a:rPr>
-              <a:t> </a:t>
-            </a:r>
-            <a:r>
-              <a:rPr lang="en-US" sz="2400" dirty="0">
-                <a:latin typeface="Times New Roman"/>
-                <a:cs typeface="Times New Roman"/>
-              </a:rPr>
-              <a:t>PK</a:t>
-            </a:r>
-          </a:p>
-          <a:p>
-            <a:pPr marL="12700" marR="34289">
-              <a:lnSpc>
-                <a:spcPct val="95825"/>
-              </a:lnSpc>
-              <a:spcBef>
-                <a:spcPts val="575"/>
-              </a:spcBef>
-            </a:pPr>
-            <a:r>
-              <a:rPr lang="en-US" dirty="0">
-                <a:latin typeface="Wingdings"/>
-                <a:cs typeface="Wingdings"/>
-              </a:rPr>
-              <a:t></a:t>
-            </a:r>
-            <a:r>
-              <a:rPr lang="en-US" dirty="0">
-                <a:latin typeface="Times New Roman"/>
-                <a:cs typeface="Times New Roman"/>
-              </a:rPr>
-              <a:t>  </a:t>
-            </a:r>
-            <a:r>
-              <a:rPr lang="en-US" spc="280" dirty="0">
-                <a:latin typeface="Times New Roman"/>
-                <a:cs typeface="Times New Roman"/>
-              </a:rPr>
-              <a:t> </a:t>
-            </a:r>
-            <a:r>
-              <a:rPr lang="en-US" dirty="0">
-                <a:latin typeface="Times New Roman"/>
-                <a:cs typeface="Times New Roman"/>
-              </a:rPr>
-              <a:t>Avoid</a:t>
-            </a:r>
-            <a:r>
-              <a:rPr lang="en-US" spc="-38" dirty="0">
-                <a:latin typeface="Times New Roman"/>
-                <a:cs typeface="Times New Roman"/>
-              </a:rPr>
-              <a:t> </a:t>
-            </a:r>
-            <a:r>
-              <a:rPr lang="en-US" spc="4" dirty="0">
-                <a:latin typeface="Times New Roman"/>
-                <a:cs typeface="Times New Roman"/>
-              </a:rPr>
-              <a:t>&lt;</a:t>
-            </a:r>
-            <a:r>
-              <a:rPr lang="en-US" dirty="0">
-                <a:latin typeface="Times New Roman"/>
-                <a:cs typeface="Times New Roman"/>
-              </a:rPr>
-              <a:t>o</a:t>
-            </a:r>
-            <a:r>
-              <a:rPr lang="en-US" spc="4" dirty="0">
-                <a:latin typeface="Times New Roman"/>
-                <a:cs typeface="Times New Roman"/>
-              </a:rPr>
-              <a:t>n</a:t>
-            </a:r>
-            <a:r>
-              <a:rPr lang="en-US" dirty="0">
-                <a:latin typeface="Times New Roman"/>
-                <a:cs typeface="Times New Roman"/>
-              </a:rPr>
-              <a:t>e-</a:t>
-            </a:r>
-            <a:r>
-              <a:rPr lang="en-US" spc="4" dirty="0">
-                <a:latin typeface="Times New Roman"/>
-                <a:cs typeface="Times New Roman"/>
-              </a:rPr>
-              <a:t>t</a:t>
-            </a:r>
-            <a:r>
-              <a:rPr lang="en-US" dirty="0">
-                <a:latin typeface="Times New Roman"/>
-                <a:cs typeface="Times New Roman"/>
-              </a:rPr>
-              <a:t>o</a:t>
-            </a:r>
-            <a:r>
-              <a:rPr lang="en-US" spc="4" dirty="0">
-                <a:latin typeface="Times New Roman"/>
-                <a:cs typeface="Times New Roman"/>
-              </a:rPr>
-              <a:t>-</a:t>
-            </a:r>
-            <a:r>
-              <a:rPr lang="en-US" spc="-14" dirty="0">
-                <a:latin typeface="Times New Roman"/>
-                <a:cs typeface="Times New Roman"/>
-              </a:rPr>
-              <a:t>o</a:t>
-            </a:r>
-            <a:r>
-              <a:rPr lang="en-US" spc="4" dirty="0">
-                <a:latin typeface="Times New Roman"/>
-                <a:cs typeface="Times New Roman"/>
-              </a:rPr>
-              <a:t>n</a:t>
-            </a:r>
-            <a:r>
-              <a:rPr lang="en-US" dirty="0">
-                <a:latin typeface="Times New Roman"/>
-                <a:cs typeface="Times New Roman"/>
-              </a:rPr>
-              <a:t>e&gt;</a:t>
-            </a:r>
-          </a:p>
-          <a:p>
-            <a:pPr marL="469900">
-              <a:lnSpc>
-                <a:spcPct val="95825"/>
-              </a:lnSpc>
-              <a:spcBef>
-                <a:spcPts val="526"/>
-              </a:spcBef>
-            </a:pPr>
-            <a:r>
-              <a:rPr lang="en-US" sz="1050" dirty="0">
-                <a:latin typeface="Wingdings"/>
-                <a:cs typeface="Wingdings"/>
-              </a:rPr>
-              <a:t></a:t>
-            </a:r>
-            <a:r>
-              <a:rPr lang="en-US" sz="1050" dirty="0">
-                <a:latin typeface="Times New Roman"/>
-                <a:cs typeface="Times New Roman"/>
-              </a:rPr>
-              <a:t>     </a:t>
-            </a:r>
-            <a:r>
-              <a:rPr lang="en-US" sz="1050" spc="104" dirty="0">
-                <a:latin typeface="Times New Roman"/>
-                <a:cs typeface="Times New Roman"/>
-              </a:rPr>
-              <a:t> </a:t>
-            </a:r>
-            <a:r>
-              <a:rPr lang="en-US" sz="2400" dirty="0">
-                <a:latin typeface="Times New Roman"/>
-                <a:cs typeface="Times New Roman"/>
-              </a:rPr>
-              <a:t>U</a:t>
-            </a:r>
-            <a:r>
-              <a:rPr lang="en-US" sz="2400" spc="-4" dirty="0">
-                <a:latin typeface="Times New Roman"/>
-                <a:cs typeface="Times New Roman"/>
-              </a:rPr>
-              <a:t>s</a:t>
-            </a:r>
-            <a:r>
-              <a:rPr lang="en-US" sz="2400" dirty="0">
-                <a:latin typeface="Times New Roman"/>
-                <a:cs typeface="Times New Roman"/>
-              </a:rPr>
-              <a:t>ed</a:t>
-            </a:r>
-            <a:r>
-              <a:rPr lang="en-US" sz="2400" spc="15" dirty="0">
-                <a:latin typeface="Times New Roman"/>
-                <a:cs typeface="Times New Roman"/>
-              </a:rPr>
-              <a:t> </a:t>
-            </a:r>
-            <a:r>
-              <a:rPr lang="en-US" sz="2400" dirty="0">
-                <a:latin typeface="Times New Roman"/>
-                <a:cs typeface="Times New Roman"/>
-              </a:rPr>
-              <a:t>f</a:t>
-            </a:r>
-            <a:r>
-              <a:rPr lang="en-US" sz="2400" spc="-4" dirty="0">
-                <a:latin typeface="Times New Roman"/>
-                <a:cs typeface="Times New Roman"/>
-              </a:rPr>
-              <a:t>o</a:t>
-            </a:r>
-            <a:r>
-              <a:rPr lang="en-US" sz="2400" dirty="0">
-                <a:latin typeface="Times New Roman"/>
-                <a:cs typeface="Times New Roman"/>
-              </a:rPr>
-              <a:t>r</a:t>
-            </a:r>
-            <a:r>
-              <a:rPr lang="en-US" sz="2400" spc="-67" dirty="0">
-                <a:latin typeface="Times New Roman"/>
-                <a:cs typeface="Times New Roman"/>
-              </a:rPr>
-              <a:t> </a:t>
-            </a:r>
-            <a:r>
-              <a:rPr lang="en-US" sz="2400" spc="4" dirty="0">
-                <a:latin typeface="Times New Roman"/>
-                <a:cs typeface="Times New Roman"/>
-              </a:rPr>
-              <a:t>t</a:t>
-            </a:r>
-            <a:r>
-              <a:rPr lang="en-US" sz="2400" spc="-4" dirty="0">
-                <a:latin typeface="Times New Roman"/>
-                <a:cs typeface="Times New Roman"/>
-              </a:rPr>
-              <a:t>w</a:t>
-            </a:r>
-            <a:r>
-              <a:rPr lang="en-US" sz="2400" dirty="0">
-                <a:latin typeface="Times New Roman"/>
-                <a:cs typeface="Times New Roman"/>
-              </a:rPr>
-              <a:t>o</a:t>
-            </a:r>
-            <a:r>
-              <a:rPr lang="en-US" sz="2400" spc="128" dirty="0">
-                <a:latin typeface="Times New Roman"/>
-                <a:cs typeface="Times New Roman"/>
-              </a:rPr>
-              <a:t> </a:t>
-            </a:r>
-            <a:r>
-              <a:rPr lang="en-US" sz="2400" spc="4" dirty="0">
-                <a:latin typeface="Times New Roman"/>
-                <a:cs typeface="Times New Roman"/>
-              </a:rPr>
-              <a:t>t</a:t>
-            </a:r>
-            <a:r>
-              <a:rPr lang="en-US" sz="2400" spc="-4" dirty="0">
-                <a:latin typeface="Times New Roman"/>
-                <a:cs typeface="Times New Roman"/>
-              </a:rPr>
-              <a:t>abl</a:t>
-            </a:r>
-            <a:r>
-              <a:rPr lang="en-US" sz="2400" dirty="0">
-                <a:latin typeface="Times New Roman"/>
-                <a:cs typeface="Times New Roman"/>
-              </a:rPr>
-              <a:t>es</a:t>
-            </a:r>
-            <a:r>
-              <a:rPr lang="en-US" sz="2400" spc="270" dirty="0">
-                <a:latin typeface="Times New Roman"/>
-                <a:cs typeface="Times New Roman"/>
-              </a:rPr>
-              <a:t> </a:t>
-            </a:r>
-            <a:r>
-              <a:rPr lang="en-US" sz="2400" spc="4" dirty="0">
-                <a:latin typeface="Times New Roman"/>
-                <a:cs typeface="Times New Roman"/>
-              </a:rPr>
-              <a:t>t</a:t>
-            </a:r>
-            <a:r>
-              <a:rPr lang="en-US" sz="2400" spc="-4" dirty="0">
-                <a:latin typeface="Times New Roman"/>
-                <a:cs typeface="Times New Roman"/>
-              </a:rPr>
-              <a:t>ha</a:t>
-            </a:r>
-            <a:r>
-              <a:rPr lang="en-US" sz="2400" dirty="0">
-                <a:latin typeface="Times New Roman"/>
-                <a:cs typeface="Times New Roman"/>
-              </a:rPr>
-              <a:t>t</a:t>
-            </a:r>
-            <a:r>
-              <a:rPr lang="en-US" sz="2400" spc="293" dirty="0">
-                <a:latin typeface="Times New Roman"/>
-                <a:cs typeface="Times New Roman"/>
-              </a:rPr>
-              <a:t> </a:t>
-            </a:r>
-            <a:r>
-              <a:rPr lang="en-US" sz="2400" spc="-4" dirty="0">
-                <a:latin typeface="Times New Roman"/>
-                <a:cs typeface="Times New Roman"/>
-              </a:rPr>
-              <a:t>sha</a:t>
-            </a:r>
-            <a:r>
-              <a:rPr lang="en-US" sz="2400" dirty="0">
-                <a:latin typeface="Times New Roman"/>
-                <a:cs typeface="Times New Roman"/>
-              </a:rPr>
-              <a:t>re</a:t>
-            </a:r>
-            <a:r>
-              <a:rPr lang="en-US" sz="2400" spc="193" dirty="0">
-                <a:latin typeface="Times New Roman"/>
-                <a:cs typeface="Times New Roman"/>
-              </a:rPr>
-              <a:t> </a:t>
-            </a:r>
-            <a:r>
-              <a:rPr lang="en-US" sz="2400" spc="4" dirty="0">
-                <a:latin typeface="Times New Roman"/>
-                <a:cs typeface="Times New Roman"/>
-              </a:rPr>
-              <a:t>t</a:t>
-            </a:r>
-            <a:r>
-              <a:rPr lang="en-US" sz="2400" spc="-4" dirty="0">
-                <a:latin typeface="Times New Roman"/>
-                <a:cs typeface="Times New Roman"/>
-              </a:rPr>
-              <a:t>h</a:t>
-            </a:r>
-            <a:r>
-              <a:rPr lang="en-US" sz="2400" dirty="0">
-                <a:latin typeface="Times New Roman"/>
-                <a:cs typeface="Times New Roman"/>
-              </a:rPr>
-              <a:t>e</a:t>
-            </a:r>
-            <a:r>
-              <a:rPr lang="en-US" sz="2400" spc="226" dirty="0">
-                <a:latin typeface="Times New Roman"/>
-                <a:cs typeface="Times New Roman"/>
-              </a:rPr>
-              <a:t> </a:t>
-            </a:r>
-            <a:r>
-              <a:rPr lang="en-US" sz="2400" spc="-4" dirty="0">
-                <a:latin typeface="Times New Roman"/>
-                <a:cs typeface="Times New Roman"/>
-              </a:rPr>
-              <a:t>sa</a:t>
-            </a:r>
-            <a:r>
-              <a:rPr lang="en-US" sz="2400" dirty="0">
-                <a:latin typeface="Times New Roman"/>
-                <a:cs typeface="Times New Roman"/>
-              </a:rPr>
-              <a:t>me</a:t>
-            </a:r>
-            <a:r>
-              <a:rPr lang="en-US" sz="2400" spc="194" dirty="0">
-                <a:latin typeface="Times New Roman"/>
-                <a:cs typeface="Times New Roman"/>
-              </a:rPr>
-              <a:t> </a:t>
-            </a:r>
-            <a:r>
-              <a:rPr lang="en-US" sz="2400" spc="-4" dirty="0">
-                <a:latin typeface="Times New Roman"/>
-                <a:cs typeface="Times New Roman"/>
-              </a:rPr>
-              <a:t>p</a:t>
-            </a:r>
-            <a:r>
-              <a:rPr lang="en-US" sz="2400" dirty="0">
-                <a:latin typeface="Times New Roman"/>
-                <a:cs typeface="Times New Roman"/>
-              </a:rPr>
-              <a:t>rim</a:t>
-            </a:r>
-            <a:r>
-              <a:rPr lang="en-US" sz="2400" spc="-4" dirty="0">
-                <a:latin typeface="Times New Roman"/>
-                <a:cs typeface="Times New Roman"/>
-              </a:rPr>
-              <a:t>a</a:t>
-            </a:r>
-            <a:r>
-              <a:rPr lang="en-US" sz="2400" dirty="0">
-                <a:latin typeface="Times New Roman"/>
-                <a:cs typeface="Times New Roman"/>
-              </a:rPr>
-              <a:t>ry</a:t>
-            </a:r>
-            <a:r>
-              <a:rPr lang="en-US" sz="2400" spc="74" dirty="0">
-                <a:latin typeface="Times New Roman"/>
-                <a:cs typeface="Times New Roman"/>
-              </a:rPr>
-              <a:t> </a:t>
-            </a:r>
-            <a:r>
-              <a:rPr lang="en-US" sz="2400" spc="-4" dirty="0">
-                <a:latin typeface="Times New Roman"/>
-                <a:cs typeface="Times New Roman"/>
-              </a:rPr>
-              <a:t>k</a:t>
-            </a:r>
-            <a:r>
-              <a:rPr lang="en-US" sz="2400" dirty="0">
-                <a:latin typeface="Times New Roman"/>
-                <a:cs typeface="Times New Roman"/>
-              </a:rPr>
-              <a:t>ey</a:t>
-            </a:r>
-          </a:p>
-          <a:p>
-            <a:pPr marL="12700" marR="34289">
-              <a:lnSpc>
-                <a:spcPct val="95825"/>
-              </a:lnSpc>
-              <a:spcBef>
-                <a:spcPts val="575"/>
-              </a:spcBef>
-            </a:pPr>
-            <a:r>
-              <a:rPr lang="en-US" dirty="0">
-                <a:latin typeface="Wingdings"/>
-                <a:cs typeface="Wingdings"/>
-              </a:rPr>
-              <a:t></a:t>
-            </a:r>
-            <a:r>
-              <a:rPr lang="en-US" dirty="0">
-                <a:latin typeface="Times New Roman"/>
-                <a:cs typeface="Times New Roman"/>
-              </a:rPr>
-              <a:t>  </a:t>
-            </a:r>
-            <a:r>
-              <a:rPr lang="en-US" spc="280" dirty="0">
-                <a:latin typeface="Times New Roman"/>
-                <a:cs typeface="Times New Roman"/>
-              </a:rPr>
-              <a:t> </a:t>
-            </a:r>
-            <a:r>
-              <a:rPr lang="en-US" dirty="0">
-                <a:latin typeface="Times New Roman"/>
-                <a:cs typeface="Times New Roman"/>
-              </a:rPr>
-              <a:t>U</a:t>
-            </a:r>
-            <a:r>
-              <a:rPr lang="en-US" spc="4" dirty="0">
-                <a:latin typeface="Times New Roman"/>
-                <a:cs typeface="Times New Roman"/>
-              </a:rPr>
-              <a:t>s</a:t>
-            </a:r>
-            <a:r>
-              <a:rPr lang="en-US" dirty="0">
-                <a:latin typeface="Times New Roman"/>
-                <a:cs typeface="Times New Roman"/>
-              </a:rPr>
-              <a:t>e</a:t>
-            </a:r>
-            <a:r>
-              <a:rPr lang="en-US" spc="4" dirty="0">
-                <a:latin typeface="Times New Roman"/>
-                <a:cs typeface="Times New Roman"/>
-              </a:rPr>
-              <a:t> </a:t>
-            </a:r>
-            <a:r>
-              <a:rPr lang="en-US" dirty="0">
-                <a:latin typeface="Times New Roman"/>
-                <a:cs typeface="Times New Roman"/>
-              </a:rPr>
-              <a:t>i</a:t>
-            </a:r>
-            <a:r>
-              <a:rPr lang="en-US" spc="4" dirty="0">
-                <a:latin typeface="Times New Roman"/>
-                <a:cs typeface="Times New Roman"/>
-              </a:rPr>
-              <a:t>nh</a:t>
-            </a:r>
-            <a:r>
-              <a:rPr lang="en-US" dirty="0">
-                <a:latin typeface="Times New Roman"/>
-                <a:cs typeface="Times New Roman"/>
-              </a:rPr>
-              <a:t>e</a:t>
-            </a:r>
-            <a:r>
-              <a:rPr lang="en-US" spc="-4" dirty="0">
-                <a:latin typeface="Times New Roman"/>
-                <a:cs typeface="Times New Roman"/>
-              </a:rPr>
-              <a:t>r</a:t>
-            </a:r>
-            <a:r>
-              <a:rPr lang="en-US" dirty="0">
-                <a:latin typeface="Times New Roman"/>
-                <a:cs typeface="Times New Roman"/>
-              </a:rPr>
-              <a:t>i</a:t>
-            </a:r>
-            <a:r>
-              <a:rPr lang="en-US" spc="4" dirty="0">
-                <a:latin typeface="Times New Roman"/>
-                <a:cs typeface="Times New Roman"/>
-              </a:rPr>
-              <a:t>t</a:t>
-            </a:r>
-            <a:r>
-              <a:rPr lang="en-US" dirty="0">
-                <a:latin typeface="Times New Roman"/>
-                <a:cs typeface="Times New Roman"/>
-              </a:rPr>
-              <a:t>a</a:t>
-            </a:r>
-            <a:r>
-              <a:rPr lang="en-US" spc="4" dirty="0">
-                <a:latin typeface="Times New Roman"/>
-                <a:cs typeface="Times New Roman"/>
-              </a:rPr>
-              <a:t>n</a:t>
-            </a:r>
-            <a:r>
-              <a:rPr lang="en-US" dirty="0">
-                <a:latin typeface="Times New Roman"/>
-                <a:cs typeface="Times New Roman"/>
-              </a:rPr>
-              <a:t>ce</a:t>
-            </a:r>
-          </a:p>
-          <a:p>
-            <a:pPr marL="469900" marR="34289">
-              <a:lnSpc>
-                <a:spcPct val="95825"/>
-              </a:lnSpc>
-              <a:spcBef>
-                <a:spcPts val="526"/>
-              </a:spcBef>
-            </a:pPr>
-            <a:r>
-              <a:rPr lang="en-US" sz="1050" dirty="0">
-                <a:latin typeface="Wingdings"/>
-                <a:cs typeface="Wingdings"/>
-              </a:rPr>
-              <a:t></a:t>
-            </a:r>
-            <a:r>
-              <a:rPr lang="en-US" sz="1050" dirty="0">
-                <a:latin typeface="Times New Roman"/>
-                <a:cs typeface="Times New Roman"/>
-              </a:rPr>
-              <a:t>     </a:t>
-            </a:r>
-            <a:r>
-              <a:rPr lang="en-US" sz="1050" spc="104" dirty="0">
-                <a:latin typeface="Times New Roman"/>
-                <a:cs typeface="Times New Roman"/>
-              </a:rPr>
-              <a:t> </a:t>
-            </a:r>
-            <a:r>
-              <a:rPr lang="en-US" sz="2400" dirty="0">
-                <a:latin typeface="Times New Roman"/>
-                <a:cs typeface="Times New Roman"/>
-              </a:rPr>
-              <a:t>C</a:t>
-            </a:r>
-            <a:r>
-              <a:rPr lang="en-US" sz="2400" spc="4" dirty="0">
-                <a:latin typeface="Times New Roman"/>
-                <a:cs typeface="Times New Roman"/>
-              </a:rPr>
-              <a:t>u</a:t>
-            </a:r>
-            <a:r>
-              <a:rPr lang="en-US" sz="2400" spc="-4" dirty="0">
-                <a:latin typeface="Times New Roman"/>
-                <a:cs typeface="Times New Roman"/>
-              </a:rPr>
-              <a:t>s</a:t>
-            </a:r>
-            <a:r>
-              <a:rPr lang="en-US" sz="2400" spc="4" dirty="0">
-                <a:latin typeface="Times New Roman"/>
-                <a:cs typeface="Times New Roman"/>
-              </a:rPr>
-              <a:t>t</a:t>
-            </a:r>
-            <a:r>
-              <a:rPr lang="en-US" sz="2400" spc="-4" dirty="0">
-                <a:latin typeface="Times New Roman"/>
-                <a:cs typeface="Times New Roman"/>
-              </a:rPr>
-              <a:t>o</a:t>
-            </a:r>
-            <a:r>
-              <a:rPr lang="en-US" sz="2400" dirty="0">
-                <a:latin typeface="Times New Roman"/>
-                <a:cs typeface="Times New Roman"/>
-              </a:rPr>
-              <a:t>mer</a:t>
-            </a:r>
-            <a:r>
-              <a:rPr lang="en-US" sz="2400" spc="257" dirty="0">
-                <a:latin typeface="Times New Roman"/>
-                <a:cs typeface="Times New Roman"/>
-              </a:rPr>
-              <a:t> </a:t>
-            </a:r>
-            <a:r>
-              <a:rPr lang="en-US" sz="2400" dirty="0">
-                <a:latin typeface="Times New Roman"/>
-                <a:cs typeface="Times New Roman"/>
-              </a:rPr>
-              <a:t>IS-A</a:t>
-            </a:r>
-            <a:r>
-              <a:rPr lang="en-US" sz="2400" spc="7" dirty="0">
-                <a:latin typeface="Times New Roman"/>
-                <a:cs typeface="Times New Roman"/>
-              </a:rPr>
-              <a:t> </a:t>
-            </a:r>
-            <a:r>
-              <a:rPr lang="en-US" sz="2400" dirty="0">
-                <a:latin typeface="Times New Roman"/>
-                <a:cs typeface="Times New Roman"/>
-              </a:rPr>
-              <a:t>Per</a:t>
-            </a:r>
-            <a:r>
-              <a:rPr lang="en-US" sz="2400" spc="-4" dirty="0">
-                <a:latin typeface="Times New Roman"/>
-                <a:cs typeface="Times New Roman"/>
-              </a:rPr>
-              <a:t>so</a:t>
-            </a:r>
-            <a:r>
-              <a:rPr lang="en-US" sz="2400" dirty="0">
-                <a:latin typeface="Times New Roman"/>
-                <a:cs typeface="Times New Roman"/>
-              </a:rPr>
-              <a:t>n</a:t>
-            </a:r>
-          </a:p>
-          <a:p>
-            <a:pPr marL="12700" marR="34289">
-              <a:lnSpc>
-                <a:spcPct val="95825"/>
-              </a:lnSpc>
-              <a:spcBef>
-                <a:spcPts val="575"/>
-              </a:spcBef>
-            </a:pPr>
-            <a:r>
-              <a:rPr lang="en-US" dirty="0">
-                <a:latin typeface="Wingdings"/>
-                <a:cs typeface="Wingdings"/>
-              </a:rPr>
-              <a:t></a:t>
-            </a:r>
-            <a:r>
-              <a:rPr lang="en-US" dirty="0">
-                <a:latin typeface="Times New Roman"/>
-                <a:cs typeface="Times New Roman"/>
-              </a:rPr>
-              <a:t>  </a:t>
-            </a:r>
-            <a:r>
-              <a:rPr lang="en-US" spc="280" dirty="0">
-                <a:latin typeface="Times New Roman"/>
-                <a:cs typeface="Times New Roman"/>
-              </a:rPr>
-              <a:t> </a:t>
-            </a:r>
-            <a:r>
-              <a:rPr lang="en-US" dirty="0">
-                <a:latin typeface="Times New Roman"/>
-                <a:cs typeface="Times New Roman"/>
-              </a:rPr>
-              <a:t>U</a:t>
-            </a:r>
-            <a:r>
-              <a:rPr lang="en-US" spc="4" dirty="0">
-                <a:latin typeface="Times New Roman"/>
-                <a:cs typeface="Times New Roman"/>
-              </a:rPr>
-              <a:t>s</a:t>
-            </a:r>
-            <a:r>
-              <a:rPr lang="en-US" dirty="0">
-                <a:latin typeface="Times New Roman"/>
-                <a:cs typeface="Times New Roman"/>
-              </a:rPr>
-              <a:t>e</a:t>
-            </a:r>
-            <a:r>
-              <a:rPr lang="en-US" spc="-9" dirty="0">
-                <a:latin typeface="Times New Roman"/>
-                <a:cs typeface="Times New Roman"/>
-              </a:rPr>
-              <a:t> </a:t>
-            </a:r>
-            <a:r>
-              <a:rPr lang="en-US" spc="4" dirty="0">
-                <a:latin typeface="Times New Roman"/>
-                <a:cs typeface="Times New Roman"/>
-              </a:rPr>
-              <a:t>&lt;m</a:t>
-            </a:r>
-            <a:r>
-              <a:rPr lang="en-US" dirty="0">
-                <a:latin typeface="Times New Roman"/>
-                <a:cs typeface="Times New Roman"/>
-              </a:rPr>
-              <a:t>a</a:t>
-            </a:r>
-            <a:r>
-              <a:rPr lang="en-US" spc="4" dirty="0">
-                <a:latin typeface="Times New Roman"/>
-                <a:cs typeface="Times New Roman"/>
-              </a:rPr>
-              <a:t>ny</a:t>
-            </a:r>
-            <a:r>
-              <a:rPr lang="en-US" spc="-9" dirty="0">
-                <a:latin typeface="Times New Roman"/>
-                <a:cs typeface="Times New Roman"/>
-              </a:rPr>
-              <a:t>-</a:t>
-            </a:r>
-            <a:r>
-              <a:rPr lang="en-US" spc="4" dirty="0">
-                <a:latin typeface="Times New Roman"/>
-                <a:cs typeface="Times New Roman"/>
-              </a:rPr>
-              <a:t>t</a:t>
-            </a:r>
-            <a:r>
-              <a:rPr lang="en-US" spc="-14" dirty="0">
-                <a:latin typeface="Times New Roman"/>
-                <a:cs typeface="Times New Roman"/>
-              </a:rPr>
-              <a:t>o</a:t>
-            </a:r>
-            <a:r>
-              <a:rPr lang="en-US" spc="4" dirty="0">
-                <a:latin typeface="Times New Roman"/>
-                <a:cs typeface="Times New Roman"/>
-              </a:rPr>
-              <a:t>-</a:t>
-            </a:r>
-            <a:r>
-              <a:rPr lang="en-US" spc="-14" dirty="0">
-                <a:latin typeface="Times New Roman"/>
-                <a:cs typeface="Times New Roman"/>
-              </a:rPr>
-              <a:t>o</a:t>
-            </a:r>
-            <a:r>
-              <a:rPr lang="en-US" spc="4" dirty="0">
-                <a:latin typeface="Times New Roman"/>
-                <a:cs typeface="Times New Roman"/>
-              </a:rPr>
-              <a:t>n</a:t>
-            </a:r>
-            <a:r>
-              <a:rPr lang="en-US" dirty="0">
-                <a:latin typeface="Times New Roman"/>
-                <a:cs typeface="Times New Roman"/>
-              </a:rPr>
-              <a:t>e&gt;</a:t>
-            </a:r>
-          </a:p>
-          <a:p>
-            <a:pPr marL="469900" marR="34289">
-              <a:lnSpc>
-                <a:spcPct val="95825"/>
-              </a:lnSpc>
-              <a:spcBef>
-                <a:spcPts val="526"/>
-              </a:spcBef>
-            </a:pPr>
-            <a:r>
-              <a:rPr lang="en-US" sz="1050" dirty="0">
-                <a:latin typeface="Wingdings"/>
-                <a:cs typeface="Wingdings"/>
-              </a:rPr>
-              <a:t></a:t>
-            </a:r>
-            <a:r>
-              <a:rPr lang="en-US" sz="1050" dirty="0">
-                <a:latin typeface="Times New Roman"/>
-                <a:cs typeface="Times New Roman"/>
-              </a:rPr>
-              <a:t>     </a:t>
-            </a:r>
-            <a:r>
-              <a:rPr lang="en-US" sz="1050" spc="104" dirty="0">
-                <a:latin typeface="Times New Roman"/>
-                <a:cs typeface="Times New Roman"/>
-              </a:rPr>
-              <a:t> </a:t>
-            </a:r>
-            <a:r>
-              <a:rPr lang="en-US" sz="2400" dirty="0">
-                <a:latin typeface="Times New Roman"/>
-                <a:cs typeface="Times New Roman"/>
-              </a:rPr>
-              <a:t>C</a:t>
-            </a:r>
-            <a:r>
-              <a:rPr lang="en-US" sz="2400" spc="4" dirty="0">
-                <a:latin typeface="Times New Roman"/>
-                <a:cs typeface="Times New Roman"/>
-              </a:rPr>
-              <a:t>u</a:t>
-            </a:r>
-            <a:r>
-              <a:rPr lang="en-US" sz="2400" spc="-4" dirty="0">
-                <a:latin typeface="Times New Roman"/>
-                <a:cs typeface="Times New Roman"/>
-              </a:rPr>
-              <a:t>s</a:t>
-            </a:r>
-            <a:r>
-              <a:rPr lang="en-US" sz="2400" spc="4" dirty="0">
-                <a:latin typeface="Times New Roman"/>
-                <a:cs typeface="Times New Roman"/>
-              </a:rPr>
-              <a:t>t</a:t>
-            </a:r>
-            <a:r>
-              <a:rPr lang="en-US" sz="2400" spc="-4" dirty="0">
-                <a:latin typeface="Times New Roman"/>
-                <a:cs typeface="Times New Roman"/>
-              </a:rPr>
-              <a:t>o</a:t>
-            </a:r>
-            <a:r>
-              <a:rPr lang="en-US" sz="2400" dirty="0">
-                <a:latin typeface="Times New Roman"/>
-                <a:cs typeface="Times New Roman"/>
-              </a:rPr>
-              <a:t>mer</a:t>
-            </a:r>
-            <a:r>
-              <a:rPr lang="en-US" sz="2400" spc="257" dirty="0">
-                <a:latin typeface="Times New Roman"/>
-                <a:cs typeface="Times New Roman"/>
-              </a:rPr>
-              <a:t> </a:t>
-            </a:r>
-            <a:r>
-              <a:rPr lang="en-US" sz="2400" dirty="0">
-                <a:latin typeface="Times New Roman"/>
-                <a:cs typeface="Times New Roman"/>
-              </a:rPr>
-              <a:t>HA</a:t>
-            </a:r>
-            <a:r>
-              <a:rPr lang="en-US" sz="2400" spc="4" dirty="0">
-                <a:latin typeface="Times New Roman"/>
-                <a:cs typeface="Times New Roman"/>
-              </a:rPr>
-              <a:t>S</a:t>
-            </a:r>
-            <a:r>
-              <a:rPr lang="en-US" sz="2400" dirty="0">
-                <a:latin typeface="Times New Roman"/>
-                <a:cs typeface="Times New Roman"/>
-              </a:rPr>
-              <a:t>-A</a:t>
-            </a:r>
-            <a:r>
-              <a:rPr lang="en-US" sz="2400" spc="-14" dirty="0">
-                <a:latin typeface="Times New Roman"/>
-                <a:cs typeface="Times New Roman"/>
-              </a:rPr>
-              <a:t> </a:t>
-            </a:r>
-            <a:r>
-              <a:rPr lang="en-US" sz="2400" dirty="0" err="1">
-                <a:latin typeface="Times New Roman"/>
-                <a:cs typeface="Times New Roman"/>
-              </a:rPr>
-              <a:t>Def</a:t>
-            </a:r>
-            <a:r>
-              <a:rPr lang="en-US" sz="2400" spc="-4" dirty="0" err="1">
-                <a:latin typeface="Times New Roman"/>
-                <a:cs typeface="Times New Roman"/>
-              </a:rPr>
-              <a:t>a</a:t>
-            </a:r>
-            <a:r>
-              <a:rPr lang="en-US" sz="2400" spc="4" dirty="0" err="1">
-                <a:latin typeface="Times New Roman"/>
-                <a:cs typeface="Times New Roman"/>
-              </a:rPr>
-              <a:t>u</a:t>
-            </a:r>
-            <a:r>
-              <a:rPr lang="en-US" sz="2400" spc="-4" dirty="0" err="1">
-                <a:latin typeface="Times New Roman"/>
-                <a:cs typeface="Times New Roman"/>
-              </a:rPr>
-              <a:t>l</a:t>
-            </a:r>
-            <a:r>
-              <a:rPr lang="en-US" sz="2400" spc="4" dirty="0" err="1">
-                <a:latin typeface="Times New Roman"/>
-                <a:cs typeface="Times New Roman"/>
-              </a:rPr>
-              <a:t>t</a:t>
-            </a:r>
-            <a:r>
-              <a:rPr lang="en-US" sz="2400" dirty="0" err="1">
-                <a:latin typeface="Times New Roman"/>
-                <a:cs typeface="Times New Roman"/>
-              </a:rPr>
-              <a:t>S</a:t>
-            </a:r>
-            <a:r>
-              <a:rPr lang="en-US" sz="2400" spc="-4" dirty="0" err="1">
-                <a:latin typeface="Times New Roman"/>
-                <a:cs typeface="Times New Roman"/>
-              </a:rPr>
-              <a:t>h</a:t>
-            </a:r>
-            <a:r>
-              <a:rPr lang="en-US" sz="2400" dirty="0" err="1">
-                <a:latin typeface="Times New Roman"/>
-                <a:cs typeface="Times New Roman"/>
-              </a:rPr>
-              <a:t>i</a:t>
-            </a:r>
-            <a:r>
-              <a:rPr lang="en-US" sz="2400" spc="-4" dirty="0" err="1">
-                <a:latin typeface="Times New Roman"/>
-                <a:cs typeface="Times New Roman"/>
-              </a:rPr>
-              <a:t>pp</a:t>
-            </a:r>
-            <a:r>
-              <a:rPr lang="en-US" sz="2400" dirty="0" err="1">
-                <a:latin typeface="Times New Roman"/>
-                <a:cs typeface="Times New Roman"/>
-              </a:rPr>
-              <a:t>i</a:t>
-            </a:r>
-            <a:r>
-              <a:rPr lang="en-US" sz="2400" spc="-4" dirty="0" err="1">
-                <a:latin typeface="Times New Roman"/>
-                <a:cs typeface="Times New Roman"/>
-              </a:rPr>
-              <a:t>n</a:t>
-            </a:r>
-            <a:r>
-              <a:rPr lang="en-US" sz="2400" dirty="0" err="1">
-                <a:latin typeface="Times New Roman"/>
-                <a:cs typeface="Times New Roman"/>
-              </a:rPr>
-              <a:t>gA</a:t>
-            </a:r>
-            <a:r>
-              <a:rPr lang="en-US" sz="2400" spc="4" dirty="0" err="1">
-                <a:latin typeface="Times New Roman"/>
-                <a:cs typeface="Times New Roman"/>
-              </a:rPr>
-              <a:t>dd</a:t>
-            </a:r>
-            <a:r>
-              <a:rPr lang="en-US" sz="2400" dirty="0" err="1">
-                <a:latin typeface="Times New Roman"/>
-                <a:cs typeface="Times New Roman"/>
-              </a:rPr>
-              <a:t>re</a:t>
-            </a:r>
-            <a:r>
-              <a:rPr lang="en-US" sz="2400" spc="-4" dirty="0" err="1">
-                <a:latin typeface="Times New Roman"/>
-                <a:cs typeface="Times New Roman"/>
-              </a:rPr>
-              <a:t>s</a:t>
-            </a:r>
-            <a:r>
-              <a:rPr lang="en-US" sz="2400" dirty="0" err="1">
-                <a:latin typeface="Times New Roman"/>
-                <a:cs typeface="Times New Roman"/>
-              </a:rPr>
-              <a:t>s</a:t>
-            </a:r>
-            <a:endParaRPr lang="en-US" sz="2400" dirty="0">
-              <a:latin typeface="Times New Roman"/>
-              <a:cs typeface="Times New Roman"/>
-            </a:endParaRPr>
-          </a:p>
-          <a:p>
-            <a:pPr marL="469900" marR="34289">
-              <a:lnSpc>
-                <a:spcPct val="95825"/>
-              </a:lnSpc>
-              <a:spcBef>
-                <a:spcPts val="522"/>
-              </a:spcBef>
-            </a:pPr>
-            <a:r>
-              <a:rPr lang="en-US" sz="1050" dirty="0">
-                <a:latin typeface="Wingdings"/>
-                <a:cs typeface="Wingdings"/>
-              </a:rPr>
-              <a:t></a:t>
-            </a:r>
-            <a:r>
-              <a:rPr lang="en-US" sz="1050" dirty="0">
-                <a:latin typeface="Times New Roman"/>
-                <a:cs typeface="Times New Roman"/>
-              </a:rPr>
-              <a:t>     </a:t>
-            </a:r>
-            <a:r>
-              <a:rPr lang="en-US" sz="1050" spc="104" dirty="0">
-                <a:latin typeface="Times New Roman"/>
-                <a:cs typeface="Times New Roman"/>
-              </a:rPr>
-              <a:t> </a:t>
-            </a:r>
-            <a:r>
-              <a:rPr lang="en-US" sz="2400" dirty="0">
-                <a:latin typeface="Times New Roman"/>
-                <a:cs typeface="Times New Roman"/>
-              </a:rPr>
-              <a:t>C</a:t>
-            </a:r>
-            <a:r>
-              <a:rPr lang="en-US" sz="2400" spc="4" dirty="0">
-                <a:latin typeface="Times New Roman"/>
-                <a:cs typeface="Times New Roman"/>
-              </a:rPr>
-              <a:t>u</a:t>
-            </a:r>
-            <a:r>
-              <a:rPr lang="en-US" sz="2400" spc="-4" dirty="0">
-                <a:latin typeface="Times New Roman"/>
-                <a:cs typeface="Times New Roman"/>
-              </a:rPr>
-              <a:t>s</a:t>
-            </a:r>
-            <a:r>
-              <a:rPr lang="en-US" sz="2400" spc="4" dirty="0">
-                <a:latin typeface="Times New Roman"/>
-                <a:cs typeface="Times New Roman"/>
-              </a:rPr>
-              <a:t>t</a:t>
-            </a:r>
-            <a:r>
-              <a:rPr lang="en-US" sz="2400" spc="-4" dirty="0">
-                <a:latin typeface="Times New Roman"/>
-                <a:cs typeface="Times New Roman"/>
-              </a:rPr>
-              <a:t>o</a:t>
-            </a:r>
-            <a:r>
-              <a:rPr lang="en-US" sz="2400" dirty="0">
-                <a:latin typeface="Times New Roman"/>
-                <a:cs typeface="Times New Roman"/>
-              </a:rPr>
-              <a:t>mers</a:t>
-            </a:r>
-            <a:r>
-              <a:rPr lang="en-US" sz="2400" spc="258" dirty="0">
-                <a:latin typeface="Times New Roman"/>
-                <a:cs typeface="Times New Roman"/>
-              </a:rPr>
-              <a:t> </a:t>
-            </a:r>
-            <a:r>
-              <a:rPr lang="en-US" sz="2400" spc="4" dirty="0">
-                <a:latin typeface="Times New Roman"/>
-                <a:cs typeface="Times New Roman"/>
-              </a:rPr>
-              <a:t>t</a:t>
-            </a:r>
-            <a:r>
-              <a:rPr lang="en-US" sz="2400" spc="-4" dirty="0">
-                <a:latin typeface="Times New Roman"/>
-                <a:cs typeface="Times New Roman"/>
-              </a:rPr>
-              <a:t>abl</a:t>
-            </a:r>
-            <a:r>
-              <a:rPr lang="en-US" sz="2400" dirty="0">
-                <a:latin typeface="Times New Roman"/>
-                <a:cs typeface="Times New Roman"/>
-              </a:rPr>
-              <a:t>e</a:t>
-            </a:r>
-            <a:r>
-              <a:rPr lang="en-US" sz="2400" spc="253" dirty="0">
-                <a:latin typeface="Times New Roman"/>
-                <a:cs typeface="Times New Roman"/>
-              </a:rPr>
-              <a:t> </a:t>
-            </a:r>
-            <a:r>
-              <a:rPr lang="en-US" sz="2400" spc="-4" dirty="0">
-                <a:latin typeface="Times New Roman"/>
-                <a:cs typeface="Times New Roman"/>
-              </a:rPr>
-              <a:t>ha</a:t>
-            </a:r>
-            <a:r>
-              <a:rPr lang="en-US" sz="2400" dirty="0">
-                <a:latin typeface="Times New Roman"/>
-                <a:cs typeface="Times New Roman"/>
-              </a:rPr>
-              <a:t>s</a:t>
-            </a:r>
-            <a:r>
-              <a:rPr lang="en-US" sz="2400" spc="107" dirty="0">
-                <a:latin typeface="Times New Roman"/>
-                <a:cs typeface="Times New Roman"/>
-              </a:rPr>
-              <a:t> </a:t>
-            </a:r>
-            <a:r>
-              <a:rPr lang="en-US" sz="2400" dirty="0">
-                <a:latin typeface="Times New Roman"/>
-                <a:cs typeface="Times New Roman"/>
-              </a:rPr>
-              <a:t>a</a:t>
-            </a:r>
-            <a:r>
-              <a:rPr lang="en-US" sz="2400" spc="-6" dirty="0">
-                <a:latin typeface="Times New Roman"/>
-                <a:cs typeface="Times New Roman"/>
-              </a:rPr>
-              <a:t> </a:t>
-            </a:r>
-            <a:r>
-              <a:rPr lang="en-US" sz="2400" spc="-4" dirty="0">
-                <a:latin typeface="Times New Roman"/>
-                <a:cs typeface="Times New Roman"/>
-              </a:rPr>
-              <a:t>s</a:t>
-            </a:r>
-            <a:r>
-              <a:rPr lang="en-US" sz="2400" spc="4" dirty="0">
-                <a:latin typeface="Times New Roman"/>
-                <a:cs typeface="Times New Roman"/>
-              </a:rPr>
-              <a:t>t</a:t>
-            </a:r>
-            <a:r>
-              <a:rPr lang="en-US" sz="2400" spc="-4" dirty="0">
-                <a:latin typeface="Times New Roman"/>
-                <a:cs typeface="Times New Roman"/>
-              </a:rPr>
-              <a:t>an</a:t>
-            </a:r>
-            <a:r>
-              <a:rPr lang="en-US" sz="2400" spc="4" dirty="0">
-                <a:latin typeface="Times New Roman"/>
-                <a:cs typeface="Times New Roman"/>
-              </a:rPr>
-              <a:t>d</a:t>
-            </a:r>
-            <a:r>
-              <a:rPr lang="en-US" sz="2400" spc="-4" dirty="0">
-                <a:latin typeface="Times New Roman"/>
-                <a:cs typeface="Times New Roman"/>
-              </a:rPr>
-              <a:t>a</a:t>
-            </a:r>
-            <a:r>
-              <a:rPr lang="en-US" sz="2400" dirty="0">
-                <a:latin typeface="Times New Roman"/>
-                <a:cs typeface="Times New Roman"/>
-              </a:rPr>
-              <a:t>rd </a:t>
-            </a:r>
-            <a:r>
-              <a:rPr lang="en-US" sz="2400" spc="15" dirty="0">
-                <a:latin typeface="Times New Roman"/>
-                <a:cs typeface="Times New Roman"/>
-              </a:rPr>
-              <a:t> </a:t>
-            </a:r>
-            <a:r>
-              <a:rPr lang="en-US" sz="2400" dirty="0">
-                <a:latin typeface="Times New Roman"/>
-                <a:cs typeface="Times New Roman"/>
-              </a:rPr>
-              <a:t>FK</a:t>
-            </a:r>
-            <a:r>
-              <a:rPr lang="en-US" sz="2400" spc="25" dirty="0">
-                <a:latin typeface="Times New Roman"/>
-                <a:cs typeface="Times New Roman"/>
-              </a:rPr>
-              <a:t> </a:t>
-            </a:r>
-            <a:r>
-              <a:rPr lang="en-US" sz="2400" spc="4" dirty="0">
-                <a:latin typeface="Times New Roman"/>
-                <a:cs typeface="Times New Roman"/>
-              </a:rPr>
-              <a:t>t</a:t>
-            </a:r>
-            <a:r>
-              <a:rPr lang="en-US" sz="2400" dirty="0">
-                <a:latin typeface="Times New Roman"/>
-                <a:cs typeface="Times New Roman"/>
-              </a:rPr>
-              <a:t>o</a:t>
-            </a:r>
-            <a:r>
-              <a:rPr lang="en-US" sz="2400" spc="115" dirty="0">
-                <a:latin typeface="Times New Roman"/>
-                <a:cs typeface="Times New Roman"/>
-              </a:rPr>
-              <a:t> </a:t>
-            </a:r>
-            <a:r>
-              <a:rPr lang="en-US" sz="2400" dirty="0">
-                <a:latin typeface="Times New Roman"/>
-                <a:cs typeface="Times New Roman"/>
-              </a:rPr>
-              <a:t>A</a:t>
-            </a:r>
-            <a:r>
-              <a:rPr lang="en-US" sz="2400" spc="4" dirty="0">
-                <a:latin typeface="Times New Roman"/>
-                <a:cs typeface="Times New Roman"/>
-              </a:rPr>
-              <a:t>dd</a:t>
-            </a:r>
-            <a:r>
-              <a:rPr lang="en-US" sz="2400" dirty="0">
-                <a:latin typeface="Times New Roman"/>
-                <a:cs typeface="Times New Roman"/>
-              </a:rPr>
-              <a:t>re</a:t>
-            </a:r>
-            <a:r>
-              <a:rPr lang="en-US" sz="2400" spc="-4" dirty="0">
-                <a:latin typeface="Times New Roman"/>
-                <a:cs typeface="Times New Roman"/>
-              </a:rPr>
-              <a:t>ss</a:t>
-            </a:r>
-            <a:r>
-              <a:rPr lang="en-US" sz="2400" dirty="0">
-                <a:latin typeface="Times New Roman"/>
-                <a:cs typeface="Times New Roman"/>
-              </a:rPr>
-              <a:t>es</a:t>
-            </a:r>
-          </a:p>
-          <a:p>
-            <a:pPr marL="469900" marR="34289">
-              <a:lnSpc>
-                <a:spcPct val="95825"/>
-              </a:lnSpc>
-              <a:spcBef>
-                <a:spcPts val="522"/>
-              </a:spcBef>
-            </a:pPr>
-            <a:r>
-              <a:rPr lang="en-US" sz="1050" dirty="0">
-                <a:latin typeface="Wingdings"/>
-                <a:cs typeface="Wingdings"/>
-              </a:rPr>
-              <a:t></a:t>
-            </a:r>
-            <a:r>
-              <a:rPr lang="en-US" sz="1050" dirty="0">
-                <a:latin typeface="Times New Roman"/>
-                <a:cs typeface="Times New Roman"/>
-              </a:rPr>
-              <a:t>     </a:t>
-            </a:r>
-            <a:r>
-              <a:rPr lang="en-US" sz="1050" spc="104" dirty="0">
-                <a:latin typeface="Times New Roman"/>
-                <a:cs typeface="Times New Roman"/>
-              </a:rPr>
-              <a:t> </a:t>
-            </a:r>
-            <a:r>
-              <a:rPr lang="en-US" sz="2400" spc="-5" dirty="0">
-                <a:latin typeface="Times New Roman"/>
-                <a:cs typeface="Times New Roman"/>
-              </a:rPr>
-              <a:t>&lt;</a:t>
-            </a:r>
-            <a:r>
-              <a:rPr lang="en-US" sz="2400" dirty="0">
-                <a:latin typeface="Times New Roman"/>
-                <a:cs typeface="Times New Roman"/>
-              </a:rPr>
-              <a:t>m</a:t>
-            </a:r>
-            <a:r>
-              <a:rPr lang="en-US" sz="2400" spc="-5" dirty="0">
-                <a:latin typeface="Times New Roman"/>
-                <a:cs typeface="Times New Roman"/>
-              </a:rPr>
-              <a:t>an</a:t>
-            </a:r>
-            <a:r>
-              <a:rPr lang="en-US" sz="2400" spc="5" dirty="0">
-                <a:latin typeface="Times New Roman"/>
-                <a:cs typeface="Times New Roman"/>
-              </a:rPr>
-              <a:t>y</a:t>
-            </a:r>
-            <a:r>
-              <a:rPr lang="en-US" sz="2400" dirty="0">
-                <a:latin typeface="Times New Roman"/>
-                <a:cs typeface="Times New Roman"/>
-              </a:rPr>
-              <a:t>-</a:t>
-            </a:r>
-            <a:r>
-              <a:rPr lang="en-US" sz="2400" spc="5" dirty="0">
-                <a:latin typeface="Times New Roman"/>
-                <a:cs typeface="Times New Roman"/>
-              </a:rPr>
-              <a:t>t</a:t>
-            </a:r>
-            <a:r>
-              <a:rPr lang="en-US" sz="2400" spc="-5" dirty="0">
-                <a:latin typeface="Times New Roman"/>
-                <a:cs typeface="Times New Roman"/>
-              </a:rPr>
-              <a:t>o</a:t>
-            </a:r>
-            <a:r>
-              <a:rPr lang="en-US" sz="2400" dirty="0">
-                <a:latin typeface="Times New Roman"/>
-                <a:cs typeface="Times New Roman"/>
-              </a:rPr>
-              <a:t>-</a:t>
-            </a:r>
-            <a:r>
-              <a:rPr lang="en-US" sz="2400" spc="-5" dirty="0">
-                <a:latin typeface="Times New Roman"/>
-                <a:cs typeface="Times New Roman"/>
-              </a:rPr>
-              <a:t>on</a:t>
-            </a:r>
-            <a:r>
-              <a:rPr lang="en-US" sz="2400" dirty="0">
-                <a:latin typeface="Times New Roman"/>
-                <a:cs typeface="Times New Roman"/>
-              </a:rPr>
-              <a:t>e</a:t>
-            </a:r>
-            <a:r>
-              <a:rPr lang="en-US" sz="2400" spc="-68" dirty="0">
-                <a:latin typeface="Times New Roman"/>
-                <a:cs typeface="Times New Roman"/>
-              </a:rPr>
-              <a:t> </a:t>
-            </a:r>
-            <a:r>
-              <a:rPr lang="en-US" sz="2400" spc="-4" dirty="0">
-                <a:latin typeface="Times New Roman"/>
-                <a:cs typeface="Times New Roman"/>
-              </a:rPr>
-              <a:t>na</a:t>
-            </a:r>
-            <a:r>
-              <a:rPr lang="en-US" sz="2400" dirty="0">
-                <a:latin typeface="Times New Roman"/>
-                <a:cs typeface="Times New Roman"/>
-              </a:rPr>
-              <a:t>me</a:t>
-            </a:r>
-            <a:r>
-              <a:rPr lang="en-US" sz="2400" spc="-4" dirty="0">
-                <a:latin typeface="Times New Roman"/>
-                <a:cs typeface="Times New Roman"/>
-              </a:rPr>
-              <a:t>=</a:t>
-            </a:r>
-            <a:r>
-              <a:rPr lang="en-US" sz="2400" dirty="0">
-                <a:latin typeface="Times New Roman"/>
-                <a:cs typeface="Times New Roman"/>
-              </a:rPr>
-              <a:t>“</a:t>
-            </a:r>
-            <a:r>
-              <a:rPr lang="en-US" sz="2400" dirty="0" err="1">
-                <a:latin typeface="Times New Roman"/>
-                <a:cs typeface="Times New Roman"/>
-              </a:rPr>
-              <a:t>Def</a:t>
-            </a:r>
-            <a:r>
-              <a:rPr lang="en-US" sz="2400" spc="-4" dirty="0" err="1">
-                <a:latin typeface="Times New Roman"/>
-                <a:cs typeface="Times New Roman"/>
-              </a:rPr>
-              <a:t>a</a:t>
-            </a:r>
-            <a:r>
-              <a:rPr lang="en-US" sz="2400" spc="4" dirty="0" err="1">
-                <a:latin typeface="Times New Roman"/>
-                <a:cs typeface="Times New Roman"/>
-              </a:rPr>
-              <a:t>u</a:t>
-            </a:r>
-            <a:r>
-              <a:rPr lang="en-US" sz="2400" spc="-4" dirty="0" err="1">
-                <a:latin typeface="Times New Roman"/>
-                <a:cs typeface="Times New Roman"/>
-              </a:rPr>
-              <a:t>l</a:t>
-            </a:r>
-            <a:r>
-              <a:rPr lang="en-US" sz="2400" spc="4" dirty="0" err="1">
-                <a:latin typeface="Times New Roman"/>
-                <a:cs typeface="Times New Roman"/>
-              </a:rPr>
-              <a:t>t</a:t>
-            </a:r>
-            <a:r>
-              <a:rPr lang="en-US" sz="2400" dirty="0" err="1">
-                <a:latin typeface="Times New Roman"/>
-                <a:cs typeface="Times New Roman"/>
-              </a:rPr>
-              <a:t>S</a:t>
-            </a:r>
-            <a:r>
-              <a:rPr lang="en-US" sz="2400" spc="-4" dirty="0" err="1">
-                <a:latin typeface="Times New Roman"/>
-                <a:cs typeface="Times New Roman"/>
-              </a:rPr>
-              <a:t>h</a:t>
-            </a:r>
-            <a:r>
-              <a:rPr lang="en-US" sz="2400" dirty="0" err="1">
-                <a:latin typeface="Times New Roman"/>
-                <a:cs typeface="Times New Roman"/>
-              </a:rPr>
-              <a:t>i</a:t>
-            </a:r>
-            <a:r>
-              <a:rPr lang="en-US" sz="2400" spc="-4" dirty="0" err="1">
-                <a:latin typeface="Times New Roman"/>
-                <a:cs typeface="Times New Roman"/>
-              </a:rPr>
-              <a:t>pp</a:t>
-            </a:r>
-            <a:r>
-              <a:rPr lang="en-US" sz="2400" dirty="0" err="1">
-                <a:latin typeface="Times New Roman"/>
-                <a:cs typeface="Times New Roman"/>
-              </a:rPr>
-              <a:t>i</a:t>
-            </a:r>
-            <a:r>
-              <a:rPr lang="en-US" sz="2400" spc="-4" dirty="0" err="1">
-                <a:latin typeface="Times New Roman"/>
-                <a:cs typeface="Times New Roman"/>
-              </a:rPr>
-              <a:t>n</a:t>
-            </a:r>
-            <a:r>
-              <a:rPr lang="en-US" sz="2400" dirty="0" err="1">
-                <a:latin typeface="Times New Roman"/>
-                <a:cs typeface="Times New Roman"/>
-              </a:rPr>
-              <a:t>gA</a:t>
-            </a:r>
-            <a:r>
-              <a:rPr lang="en-US" sz="2400" spc="4" dirty="0" err="1">
-                <a:latin typeface="Times New Roman"/>
-                <a:cs typeface="Times New Roman"/>
-              </a:rPr>
-              <a:t>dd</a:t>
-            </a:r>
-            <a:r>
-              <a:rPr lang="en-US" sz="2400" dirty="0" err="1">
-                <a:latin typeface="Times New Roman"/>
-                <a:cs typeface="Times New Roman"/>
-              </a:rPr>
-              <a:t>re</a:t>
-            </a:r>
-            <a:r>
-              <a:rPr lang="en-US" sz="2400" spc="-4" dirty="0" err="1">
-                <a:latin typeface="Times New Roman"/>
-                <a:cs typeface="Times New Roman"/>
-              </a:rPr>
-              <a:t>s</a:t>
-            </a:r>
-            <a:r>
-              <a:rPr lang="en-US" sz="2400" dirty="0" err="1">
-                <a:latin typeface="Times New Roman"/>
-                <a:cs typeface="Times New Roman"/>
-              </a:rPr>
-              <a:t>s</a:t>
-            </a:r>
-            <a:r>
-              <a:rPr lang="en-US" sz="2400" dirty="0">
-                <a:latin typeface="Times New Roman"/>
-                <a:cs typeface="Times New Roman"/>
-              </a:rPr>
-              <a:t>”</a:t>
-            </a:r>
-            <a:r>
-              <a:rPr lang="en-US" sz="2400" spc="-44" dirty="0">
-                <a:latin typeface="Times New Roman"/>
-                <a:cs typeface="Times New Roman"/>
-              </a:rPr>
-              <a:t> </a:t>
-            </a:r>
-            <a:r>
-              <a:rPr lang="en-US" sz="2400" spc="-4" dirty="0">
-                <a:latin typeface="Times New Roman"/>
-                <a:cs typeface="Times New Roman"/>
-              </a:rPr>
-              <a:t>/&gt;</a:t>
-            </a:r>
-            <a:endParaRPr lang="en-US" sz="2400" dirty="0">
-              <a:latin typeface="Times New Roman"/>
-              <a:cs typeface="Times New Roman"/>
-            </a:endParaRPr>
-          </a:p>
-          <a:p>
-            <a:endParaRPr lang="en-US" dirty="0"/>
-          </a:p>
-        </p:txBody>
-      </p:sp>
-    </p:spTree>
-    <p:extLst>
-      <p:ext uri="{BB962C8B-B14F-4D97-AF65-F5344CB8AC3E}">
-        <p14:creationId xmlns:p14="http://schemas.microsoft.com/office/powerpoint/2010/main" val="3779691703"/>
-      </p:ext>
-    </p:extLst>
-  </p:cSld>
-  <p:clrMapOvr>
-    <a:masterClrMapping/>
-  </p:clrMapOvr>
-</p:sld>
-</file>
-
 <file path=ppt/slides/slide2.xml><?xml version="1.0" encoding="utf-8"?>
 <p:sld xmlns:a="http://schemas.openxmlformats.org/drawingml/2006/main" xmlns:r="http://schemas.openxmlformats.org/officeDocument/2006/relationships" xmlns:p="http://schemas.openxmlformats.org/presentationml/2006/main">
   <p:cSld>
@@ -5596,11 +3413,7 @@
           <a:p>
             <a:r>
               <a:rPr lang="en-US" dirty="0" smtClean="0"/>
-              <a:t>Understanding </a:t>
-            </a:r>
-            <a:r>
-              <a:rPr lang="en-US" dirty="0" smtClean="0"/>
-              <a:t>relationships</a:t>
+              <a:t>Understanding relationships</a:t>
             </a:r>
           </a:p>
           <a:p>
@@ -5608,14 +3421,12 @@
               <a:rPr lang="en-US" dirty="0" smtClean="0"/>
               <a:t>Types of collections</a:t>
             </a:r>
-            <a:endParaRPr lang="en-US" dirty="0" smtClean="0"/>
           </a:p>
           <a:p>
             <a:r>
               <a:rPr lang="en-US" dirty="0" smtClean="0"/>
               <a:t>Cascades</a:t>
             </a:r>
-            <a:endParaRPr lang="en-US" dirty="0" smtClean="0"/>
           </a:p>
           <a:p>
             <a:r>
